--- a/pics/2021-11-17-ranksum/pics2.pptx
+++ b/pics/2021-11-17-ranksum/pics2.pptx
@@ -6,8 +6,11 @@
   </p:sldMasterIdLst>
   <p:sldIdLst>
     <p:sldId id="257" r:id="rId2"/>
-    <p:sldId id="256" r:id="rId3"/>
-    <p:sldId id="258" r:id="rId4"/>
+    <p:sldId id="259" r:id="rId3"/>
+    <p:sldId id="256" r:id="rId4"/>
+    <p:sldId id="260" r:id="rId5"/>
+    <p:sldId id="258" r:id="rId6"/>
+    <p:sldId id="261" r:id="rId7"/>
   </p:sldIdLst>
   <p:sldSz cx="9144000" cy="6858000" type="screen4x3"/>
   <p:notesSz cx="6858000" cy="9144000"/>
@@ -106,6 +109,22 @@
       </a:defRPr>
     </a:lvl9pPr>
   </p:defaultTextStyle>
+  <p:extLst>
+    <p:ext uri="{EFAFB233-063F-42B5-8137-9DF3F51BA10A}">
+      <p15:sldGuideLst xmlns:p15="http://schemas.microsoft.com/office/powerpoint/2012/main">
+        <p15:guide id="1" orient="horz" pos="2160">
+          <p15:clr>
+            <a:srgbClr val="A4A3A4"/>
+          </p15:clr>
+        </p15:guide>
+        <p15:guide id="2" pos="2880">
+          <p15:clr>
+            <a:srgbClr val="A4A3A4"/>
+          </p15:clr>
+        </p15:guide>
+      </p15:sldGuideLst>
+    </p:ext>
+  </p:extLst>
 </p:presentation>
 </file>
 
@@ -147,10 +166,9 @@
           <a:lstStyle/>
           <a:p>
             <a:r>
-              <a:rPr lang="ko-KR" altLang="en-US" smtClean="0"/>
+              <a:rPr lang="ko-KR" altLang="en-US"/>
               <a:t>마스터 제목 스타일 편집</a:t>
             </a:r>
-            <a:endParaRPr lang="ko-KR" altLang="en-US"/>
           </a:p>
         </p:txBody>
       </p:sp>
@@ -266,10 +284,9 @@
           </a:lstStyle>
           <a:p>
             <a:r>
-              <a:rPr lang="ko-KR" altLang="en-US" smtClean="0"/>
+              <a:rPr lang="ko-KR" altLang="en-US"/>
               <a:t>마스터 부제목 스타일 편집</a:t>
             </a:r>
-            <a:endParaRPr lang="ko-KR" altLang="en-US"/>
           </a:p>
         </p:txBody>
       </p:sp>
@@ -290,7 +307,7 @@
           <a:p>
             <a:fld id="{22C94D4F-D370-4408-8BCF-E4CA0ED9AD79}" type="datetimeFigureOut">
               <a:rPr lang="ko-KR" altLang="en-US" smtClean="0"/>
-              <a:t>2021-11-25</a:t>
+              <a:t>2023-05-13</a:t>
             </a:fld>
             <a:endParaRPr lang="ko-KR" altLang="en-US"/>
           </a:p>
@@ -384,10 +401,9 @@
           <a:lstStyle/>
           <a:p>
             <a:r>
-              <a:rPr lang="ko-KR" altLang="en-US" smtClean="0"/>
+              <a:rPr lang="ko-KR" altLang="en-US"/>
               <a:t>마스터 제목 스타일 편집</a:t>
             </a:r>
-            <a:endParaRPr lang="ko-KR" altLang="en-US"/>
           </a:p>
         </p:txBody>
       </p:sp>
@@ -408,38 +424,37 @@
           <a:p>
             <a:pPr lvl="0"/>
             <a:r>
-              <a:rPr lang="ko-KR" altLang="en-US" smtClean="0"/>
+              <a:rPr lang="ko-KR" altLang="en-US"/>
               <a:t>마스터 텍스트 스타일을 편집합니다</a:t>
             </a:r>
           </a:p>
           <a:p>
             <a:pPr lvl="1"/>
             <a:r>
-              <a:rPr lang="ko-KR" altLang="en-US" smtClean="0"/>
+              <a:rPr lang="ko-KR" altLang="en-US"/>
               <a:t>둘째 수준</a:t>
             </a:r>
           </a:p>
           <a:p>
             <a:pPr lvl="2"/>
             <a:r>
-              <a:rPr lang="ko-KR" altLang="en-US" smtClean="0"/>
+              <a:rPr lang="ko-KR" altLang="en-US"/>
               <a:t>셋째 수준</a:t>
             </a:r>
           </a:p>
           <a:p>
             <a:pPr lvl="3"/>
             <a:r>
-              <a:rPr lang="ko-KR" altLang="en-US" smtClean="0"/>
+              <a:rPr lang="ko-KR" altLang="en-US"/>
               <a:t>넷째 수준</a:t>
             </a:r>
           </a:p>
           <a:p>
             <a:pPr lvl="4"/>
             <a:r>
-              <a:rPr lang="ko-KR" altLang="en-US" smtClean="0"/>
+              <a:rPr lang="ko-KR" altLang="en-US"/>
               <a:t>다섯째 수준</a:t>
             </a:r>
-            <a:endParaRPr lang="ko-KR" altLang="en-US"/>
           </a:p>
         </p:txBody>
       </p:sp>
@@ -460,7 +475,7 @@
           <a:p>
             <a:fld id="{22C94D4F-D370-4408-8BCF-E4CA0ED9AD79}" type="datetimeFigureOut">
               <a:rPr lang="ko-KR" altLang="en-US" smtClean="0"/>
-              <a:t>2021-11-25</a:t>
+              <a:t>2023-05-13</a:t>
             </a:fld>
             <a:endParaRPr lang="ko-KR" altLang="en-US"/>
           </a:p>
@@ -559,10 +574,9 @@
           <a:lstStyle/>
           <a:p>
             <a:r>
-              <a:rPr lang="ko-KR" altLang="en-US" smtClean="0"/>
+              <a:rPr lang="ko-KR" altLang="en-US"/>
               <a:t>마스터 제목 스타일 편집</a:t>
             </a:r>
-            <a:endParaRPr lang="ko-KR" altLang="en-US"/>
           </a:p>
         </p:txBody>
       </p:sp>
@@ -588,38 +602,37 @@
           <a:p>
             <a:pPr lvl="0"/>
             <a:r>
-              <a:rPr lang="ko-KR" altLang="en-US" smtClean="0"/>
+              <a:rPr lang="ko-KR" altLang="en-US"/>
               <a:t>마스터 텍스트 스타일을 편집합니다</a:t>
             </a:r>
           </a:p>
           <a:p>
             <a:pPr lvl="1"/>
             <a:r>
-              <a:rPr lang="ko-KR" altLang="en-US" smtClean="0"/>
+              <a:rPr lang="ko-KR" altLang="en-US"/>
               <a:t>둘째 수준</a:t>
             </a:r>
           </a:p>
           <a:p>
             <a:pPr lvl="2"/>
             <a:r>
-              <a:rPr lang="ko-KR" altLang="en-US" smtClean="0"/>
+              <a:rPr lang="ko-KR" altLang="en-US"/>
               <a:t>셋째 수준</a:t>
             </a:r>
           </a:p>
           <a:p>
             <a:pPr lvl="3"/>
             <a:r>
-              <a:rPr lang="ko-KR" altLang="en-US" smtClean="0"/>
+              <a:rPr lang="ko-KR" altLang="en-US"/>
               <a:t>넷째 수준</a:t>
             </a:r>
           </a:p>
           <a:p>
             <a:pPr lvl="4"/>
             <a:r>
-              <a:rPr lang="ko-KR" altLang="en-US" smtClean="0"/>
+              <a:rPr lang="ko-KR" altLang="en-US"/>
               <a:t>다섯째 수준</a:t>
             </a:r>
-            <a:endParaRPr lang="ko-KR" altLang="en-US"/>
           </a:p>
         </p:txBody>
       </p:sp>
@@ -640,7 +653,7 @@
           <a:p>
             <a:fld id="{22C94D4F-D370-4408-8BCF-E4CA0ED9AD79}" type="datetimeFigureOut">
               <a:rPr lang="ko-KR" altLang="en-US" smtClean="0"/>
-              <a:t>2021-11-25</a:t>
+              <a:t>2023-05-13</a:t>
             </a:fld>
             <a:endParaRPr lang="ko-KR" altLang="en-US"/>
           </a:p>
@@ -734,10 +747,9 @@
           <a:lstStyle/>
           <a:p>
             <a:r>
-              <a:rPr lang="ko-KR" altLang="en-US" smtClean="0"/>
+              <a:rPr lang="ko-KR" altLang="en-US"/>
               <a:t>마스터 제목 스타일 편집</a:t>
             </a:r>
-            <a:endParaRPr lang="ko-KR" altLang="en-US"/>
           </a:p>
         </p:txBody>
       </p:sp>
@@ -758,38 +770,37 @@
           <a:p>
             <a:pPr lvl="0"/>
             <a:r>
-              <a:rPr lang="ko-KR" altLang="en-US" smtClean="0"/>
+              <a:rPr lang="ko-KR" altLang="en-US"/>
               <a:t>마스터 텍스트 스타일을 편집합니다</a:t>
             </a:r>
           </a:p>
           <a:p>
             <a:pPr lvl="1"/>
             <a:r>
-              <a:rPr lang="ko-KR" altLang="en-US" smtClean="0"/>
+              <a:rPr lang="ko-KR" altLang="en-US"/>
               <a:t>둘째 수준</a:t>
             </a:r>
           </a:p>
           <a:p>
             <a:pPr lvl="2"/>
             <a:r>
-              <a:rPr lang="ko-KR" altLang="en-US" smtClean="0"/>
+              <a:rPr lang="ko-KR" altLang="en-US"/>
               <a:t>셋째 수준</a:t>
             </a:r>
           </a:p>
           <a:p>
             <a:pPr lvl="3"/>
             <a:r>
-              <a:rPr lang="ko-KR" altLang="en-US" smtClean="0"/>
+              <a:rPr lang="ko-KR" altLang="en-US"/>
               <a:t>넷째 수준</a:t>
             </a:r>
           </a:p>
           <a:p>
             <a:pPr lvl="4"/>
             <a:r>
-              <a:rPr lang="ko-KR" altLang="en-US" smtClean="0"/>
+              <a:rPr lang="ko-KR" altLang="en-US"/>
               <a:t>다섯째 수준</a:t>
             </a:r>
-            <a:endParaRPr lang="ko-KR" altLang="en-US"/>
           </a:p>
         </p:txBody>
       </p:sp>
@@ -810,7 +821,7 @@
           <a:p>
             <a:fld id="{22C94D4F-D370-4408-8BCF-E4CA0ED9AD79}" type="datetimeFigureOut">
               <a:rPr lang="ko-KR" altLang="en-US" smtClean="0"/>
-              <a:t>2021-11-25</a:t>
+              <a:t>2023-05-13</a:t>
             </a:fld>
             <a:endParaRPr lang="ko-KR" altLang="en-US"/>
           </a:p>
@@ -913,10 +924,9 @@
           </a:lstStyle>
           <a:p>
             <a:r>
-              <a:rPr lang="ko-KR" altLang="en-US" smtClean="0"/>
+              <a:rPr lang="ko-KR" altLang="en-US"/>
               <a:t>마스터 제목 스타일 편집</a:t>
             </a:r>
-            <a:endParaRPr lang="ko-KR" altLang="en-US"/>
           </a:p>
         </p:txBody>
       </p:sp>
@@ -1033,7 +1043,7 @@
           <a:p>
             <a:pPr lvl="0"/>
             <a:r>
-              <a:rPr lang="ko-KR" altLang="en-US" smtClean="0"/>
+              <a:rPr lang="ko-KR" altLang="en-US"/>
               <a:t>마스터 텍스트 스타일을 편집합니다</a:t>
             </a:r>
           </a:p>
@@ -1056,7 +1066,7 @@
           <a:p>
             <a:fld id="{22C94D4F-D370-4408-8BCF-E4CA0ED9AD79}" type="datetimeFigureOut">
               <a:rPr lang="ko-KR" altLang="en-US" smtClean="0"/>
-              <a:t>2021-11-25</a:t>
+              <a:t>2023-05-13</a:t>
             </a:fld>
             <a:endParaRPr lang="ko-KR" altLang="en-US"/>
           </a:p>
@@ -1150,10 +1160,9 @@
           <a:lstStyle/>
           <a:p>
             <a:r>
-              <a:rPr lang="ko-KR" altLang="en-US" smtClean="0"/>
+              <a:rPr lang="ko-KR" altLang="en-US"/>
               <a:t>마스터 제목 스타일 편집</a:t>
             </a:r>
-            <a:endParaRPr lang="ko-KR" altLang="en-US"/>
           </a:p>
         </p:txBody>
       </p:sp>
@@ -1207,38 +1216,37 @@
           <a:p>
             <a:pPr lvl="0"/>
             <a:r>
-              <a:rPr lang="ko-KR" altLang="en-US" smtClean="0"/>
+              <a:rPr lang="ko-KR" altLang="en-US"/>
               <a:t>마스터 텍스트 스타일을 편집합니다</a:t>
             </a:r>
           </a:p>
           <a:p>
             <a:pPr lvl="1"/>
             <a:r>
-              <a:rPr lang="ko-KR" altLang="en-US" smtClean="0"/>
+              <a:rPr lang="ko-KR" altLang="en-US"/>
               <a:t>둘째 수준</a:t>
             </a:r>
           </a:p>
           <a:p>
             <a:pPr lvl="2"/>
             <a:r>
-              <a:rPr lang="ko-KR" altLang="en-US" smtClean="0"/>
+              <a:rPr lang="ko-KR" altLang="en-US"/>
               <a:t>셋째 수준</a:t>
             </a:r>
           </a:p>
           <a:p>
             <a:pPr lvl="3"/>
             <a:r>
-              <a:rPr lang="ko-KR" altLang="en-US" smtClean="0"/>
+              <a:rPr lang="ko-KR" altLang="en-US"/>
               <a:t>넷째 수준</a:t>
             </a:r>
           </a:p>
           <a:p>
             <a:pPr lvl="4"/>
             <a:r>
-              <a:rPr lang="ko-KR" altLang="en-US" smtClean="0"/>
+              <a:rPr lang="ko-KR" altLang="en-US"/>
               <a:t>다섯째 수준</a:t>
             </a:r>
-            <a:endParaRPr lang="ko-KR" altLang="en-US"/>
           </a:p>
         </p:txBody>
       </p:sp>
@@ -1292,38 +1300,37 @@
           <a:p>
             <a:pPr lvl="0"/>
             <a:r>
-              <a:rPr lang="ko-KR" altLang="en-US" smtClean="0"/>
+              <a:rPr lang="ko-KR" altLang="en-US"/>
               <a:t>마스터 텍스트 스타일을 편집합니다</a:t>
             </a:r>
           </a:p>
           <a:p>
             <a:pPr lvl="1"/>
             <a:r>
-              <a:rPr lang="ko-KR" altLang="en-US" smtClean="0"/>
+              <a:rPr lang="ko-KR" altLang="en-US"/>
               <a:t>둘째 수준</a:t>
             </a:r>
           </a:p>
           <a:p>
             <a:pPr lvl="2"/>
             <a:r>
-              <a:rPr lang="ko-KR" altLang="en-US" smtClean="0"/>
+              <a:rPr lang="ko-KR" altLang="en-US"/>
               <a:t>셋째 수준</a:t>
             </a:r>
           </a:p>
           <a:p>
             <a:pPr lvl="3"/>
             <a:r>
-              <a:rPr lang="ko-KR" altLang="en-US" smtClean="0"/>
+              <a:rPr lang="ko-KR" altLang="en-US"/>
               <a:t>넷째 수준</a:t>
             </a:r>
           </a:p>
           <a:p>
             <a:pPr lvl="4"/>
             <a:r>
-              <a:rPr lang="ko-KR" altLang="en-US" smtClean="0"/>
+              <a:rPr lang="ko-KR" altLang="en-US"/>
               <a:t>다섯째 수준</a:t>
             </a:r>
-            <a:endParaRPr lang="ko-KR" altLang="en-US"/>
           </a:p>
         </p:txBody>
       </p:sp>
@@ -1344,7 +1351,7 @@
           <a:p>
             <a:fld id="{22C94D4F-D370-4408-8BCF-E4CA0ED9AD79}" type="datetimeFigureOut">
               <a:rPr lang="ko-KR" altLang="en-US" smtClean="0"/>
-              <a:t>2021-11-25</a:t>
+              <a:t>2023-05-13</a:t>
             </a:fld>
             <a:endParaRPr lang="ko-KR" altLang="en-US"/>
           </a:p>
@@ -1442,10 +1449,9 @@
           </a:lstStyle>
           <a:p>
             <a:r>
-              <a:rPr lang="ko-KR" altLang="en-US" smtClean="0"/>
+              <a:rPr lang="ko-KR" altLang="en-US"/>
               <a:t>마스터 제목 스타일 편집</a:t>
             </a:r>
-            <a:endParaRPr lang="ko-KR" altLang="en-US"/>
           </a:p>
         </p:txBody>
       </p:sp>
@@ -1508,7 +1514,7 @@
           <a:p>
             <a:pPr lvl="0"/>
             <a:r>
-              <a:rPr lang="ko-KR" altLang="en-US" smtClean="0"/>
+              <a:rPr lang="ko-KR" altLang="en-US"/>
               <a:t>마스터 텍스트 스타일을 편집합니다</a:t>
             </a:r>
           </a:p>
@@ -1564,38 +1570,37 @@
           <a:p>
             <a:pPr lvl="0"/>
             <a:r>
-              <a:rPr lang="ko-KR" altLang="en-US" smtClean="0"/>
+              <a:rPr lang="ko-KR" altLang="en-US"/>
               <a:t>마스터 텍스트 스타일을 편집합니다</a:t>
             </a:r>
           </a:p>
           <a:p>
             <a:pPr lvl="1"/>
             <a:r>
-              <a:rPr lang="ko-KR" altLang="en-US" smtClean="0"/>
+              <a:rPr lang="ko-KR" altLang="en-US"/>
               <a:t>둘째 수준</a:t>
             </a:r>
           </a:p>
           <a:p>
             <a:pPr lvl="2"/>
             <a:r>
-              <a:rPr lang="ko-KR" altLang="en-US" smtClean="0"/>
+              <a:rPr lang="ko-KR" altLang="en-US"/>
               <a:t>셋째 수준</a:t>
             </a:r>
           </a:p>
           <a:p>
             <a:pPr lvl="3"/>
             <a:r>
-              <a:rPr lang="ko-KR" altLang="en-US" smtClean="0"/>
+              <a:rPr lang="ko-KR" altLang="en-US"/>
               <a:t>넷째 수준</a:t>
             </a:r>
           </a:p>
           <a:p>
             <a:pPr lvl="4"/>
             <a:r>
-              <a:rPr lang="ko-KR" altLang="en-US" smtClean="0"/>
+              <a:rPr lang="ko-KR" altLang="en-US"/>
               <a:t>다섯째 수준</a:t>
             </a:r>
-            <a:endParaRPr lang="ko-KR" altLang="en-US"/>
           </a:p>
         </p:txBody>
       </p:sp>
@@ -1658,7 +1663,7 @@
           <a:p>
             <a:pPr lvl="0"/>
             <a:r>
-              <a:rPr lang="ko-KR" altLang="en-US" smtClean="0"/>
+              <a:rPr lang="ko-KR" altLang="en-US"/>
               <a:t>마스터 텍스트 스타일을 편집합니다</a:t>
             </a:r>
           </a:p>
@@ -1714,38 +1719,37 @@
           <a:p>
             <a:pPr lvl="0"/>
             <a:r>
-              <a:rPr lang="ko-KR" altLang="en-US" smtClean="0"/>
+              <a:rPr lang="ko-KR" altLang="en-US"/>
               <a:t>마스터 텍스트 스타일을 편집합니다</a:t>
             </a:r>
           </a:p>
           <a:p>
             <a:pPr lvl="1"/>
             <a:r>
-              <a:rPr lang="ko-KR" altLang="en-US" smtClean="0"/>
+              <a:rPr lang="ko-KR" altLang="en-US"/>
               <a:t>둘째 수준</a:t>
             </a:r>
           </a:p>
           <a:p>
             <a:pPr lvl="2"/>
             <a:r>
-              <a:rPr lang="ko-KR" altLang="en-US" smtClean="0"/>
+              <a:rPr lang="ko-KR" altLang="en-US"/>
               <a:t>셋째 수준</a:t>
             </a:r>
           </a:p>
           <a:p>
             <a:pPr lvl="3"/>
             <a:r>
-              <a:rPr lang="ko-KR" altLang="en-US" smtClean="0"/>
+              <a:rPr lang="ko-KR" altLang="en-US"/>
               <a:t>넷째 수준</a:t>
             </a:r>
           </a:p>
           <a:p>
             <a:pPr lvl="4"/>
             <a:r>
-              <a:rPr lang="ko-KR" altLang="en-US" smtClean="0"/>
+              <a:rPr lang="ko-KR" altLang="en-US"/>
               <a:t>다섯째 수준</a:t>
             </a:r>
-            <a:endParaRPr lang="ko-KR" altLang="en-US"/>
           </a:p>
         </p:txBody>
       </p:sp>
@@ -1766,7 +1770,7 @@
           <a:p>
             <a:fld id="{22C94D4F-D370-4408-8BCF-E4CA0ED9AD79}" type="datetimeFigureOut">
               <a:rPr lang="ko-KR" altLang="en-US" smtClean="0"/>
-              <a:t>2021-11-25</a:t>
+              <a:t>2023-05-13</a:t>
             </a:fld>
             <a:endParaRPr lang="ko-KR" altLang="en-US"/>
           </a:p>
@@ -1860,10 +1864,9 @@
           <a:lstStyle/>
           <a:p>
             <a:r>
-              <a:rPr lang="ko-KR" altLang="en-US" smtClean="0"/>
+              <a:rPr lang="ko-KR" altLang="en-US"/>
               <a:t>마스터 제목 스타일 편집</a:t>
             </a:r>
-            <a:endParaRPr lang="ko-KR" altLang="en-US"/>
           </a:p>
         </p:txBody>
       </p:sp>
@@ -1884,7 +1887,7 @@
           <a:p>
             <a:fld id="{22C94D4F-D370-4408-8BCF-E4CA0ED9AD79}" type="datetimeFigureOut">
               <a:rPr lang="ko-KR" altLang="en-US" smtClean="0"/>
-              <a:t>2021-11-25</a:t>
+              <a:t>2023-05-13</a:t>
             </a:fld>
             <a:endParaRPr lang="ko-KR" altLang="en-US"/>
           </a:p>
@@ -1979,7 +1982,7 @@
           <a:p>
             <a:fld id="{22C94D4F-D370-4408-8BCF-E4CA0ED9AD79}" type="datetimeFigureOut">
               <a:rPr lang="ko-KR" altLang="en-US" smtClean="0"/>
-              <a:t>2021-11-25</a:t>
+              <a:t>2023-05-13</a:t>
             </a:fld>
             <a:endParaRPr lang="ko-KR" altLang="en-US"/>
           </a:p>
@@ -2082,10 +2085,9 @@
           </a:lstStyle>
           <a:p>
             <a:r>
-              <a:rPr lang="ko-KR" altLang="en-US" smtClean="0"/>
+              <a:rPr lang="ko-KR" altLang="en-US"/>
               <a:t>마스터 제목 스타일 편집</a:t>
             </a:r>
-            <a:endParaRPr lang="ko-KR" altLang="en-US"/>
           </a:p>
         </p:txBody>
       </p:sp>
@@ -2139,38 +2141,37 @@
           <a:p>
             <a:pPr lvl="0"/>
             <a:r>
-              <a:rPr lang="ko-KR" altLang="en-US" smtClean="0"/>
+              <a:rPr lang="ko-KR" altLang="en-US"/>
               <a:t>마스터 텍스트 스타일을 편집합니다</a:t>
             </a:r>
           </a:p>
           <a:p>
             <a:pPr lvl="1"/>
             <a:r>
-              <a:rPr lang="ko-KR" altLang="en-US" smtClean="0"/>
+              <a:rPr lang="ko-KR" altLang="en-US"/>
               <a:t>둘째 수준</a:t>
             </a:r>
           </a:p>
           <a:p>
             <a:pPr lvl="2"/>
             <a:r>
-              <a:rPr lang="ko-KR" altLang="en-US" smtClean="0"/>
+              <a:rPr lang="ko-KR" altLang="en-US"/>
               <a:t>셋째 수준</a:t>
             </a:r>
           </a:p>
           <a:p>
             <a:pPr lvl="3"/>
             <a:r>
-              <a:rPr lang="ko-KR" altLang="en-US" smtClean="0"/>
+              <a:rPr lang="ko-KR" altLang="en-US"/>
               <a:t>넷째 수준</a:t>
             </a:r>
           </a:p>
           <a:p>
             <a:pPr lvl="4"/>
             <a:r>
-              <a:rPr lang="ko-KR" altLang="en-US" smtClean="0"/>
+              <a:rPr lang="ko-KR" altLang="en-US"/>
               <a:t>다섯째 수준</a:t>
             </a:r>
-            <a:endParaRPr lang="ko-KR" altLang="en-US"/>
           </a:p>
         </p:txBody>
       </p:sp>
@@ -2233,7 +2234,7 @@
           <a:p>
             <a:pPr lvl="0"/>
             <a:r>
-              <a:rPr lang="ko-KR" altLang="en-US" smtClean="0"/>
+              <a:rPr lang="ko-KR" altLang="en-US"/>
               <a:t>마스터 텍스트 스타일을 편집합니다</a:t>
             </a:r>
           </a:p>
@@ -2256,7 +2257,7 @@
           <a:p>
             <a:fld id="{22C94D4F-D370-4408-8BCF-E4CA0ED9AD79}" type="datetimeFigureOut">
               <a:rPr lang="ko-KR" altLang="en-US" smtClean="0"/>
-              <a:t>2021-11-25</a:t>
+              <a:t>2023-05-13</a:t>
             </a:fld>
             <a:endParaRPr lang="ko-KR" altLang="en-US"/>
           </a:p>
@@ -2359,10 +2360,9 @@
           </a:lstStyle>
           <a:p>
             <a:r>
-              <a:rPr lang="ko-KR" altLang="en-US" smtClean="0"/>
+              <a:rPr lang="ko-KR" altLang="en-US"/>
               <a:t>마스터 제목 스타일 편집</a:t>
             </a:r>
-            <a:endParaRPr lang="ko-KR" altLang="en-US"/>
           </a:p>
         </p:txBody>
       </p:sp>
@@ -2486,7 +2486,7 @@
           <a:p>
             <a:pPr lvl="0"/>
             <a:r>
-              <a:rPr lang="ko-KR" altLang="en-US" smtClean="0"/>
+              <a:rPr lang="ko-KR" altLang="en-US"/>
               <a:t>마스터 텍스트 스타일을 편집합니다</a:t>
             </a:r>
           </a:p>
@@ -2509,7 +2509,7 @@
           <a:p>
             <a:fld id="{22C94D4F-D370-4408-8BCF-E4CA0ED9AD79}" type="datetimeFigureOut">
               <a:rPr lang="ko-KR" altLang="en-US" smtClean="0"/>
-              <a:t>2021-11-25</a:t>
+              <a:t>2023-05-13</a:t>
             </a:fld>
             <a:endParaRPr lang="ko-KR" altLang="en-US"/>
           </a:p>
@@ -2618,10 +2618,9 @@
           <a:lstStyle/>
           <a:p>
             <a:r>
-              <a:rPr lang="ko-KR" altLang="en-US" smtClean="0"/>
+              <a:rPr lang="ko-KR" altLang="en-US"/>
               <a:t>마스터 제목 스타일 편집</a:t>
             </a:r>
-            <a:endParaRPr lang="ko-KR" altLang="en-US"/>
           </a:p>
         </p:txBody>
       </p:sp>
@@ -2652,38 +2651,37 @@
           <a:p>
             <a:pPr lvl="0"/>
             <a:r>
-              <a:rPr lang="ko-KR" altLang="en-US" smtClean="0"/>
+              <a:rPr lang="ko-KR" altLang="en-US"/>
               <a:t>마스터 텍스트 스타일을 편집합니다</a:t>
             </a:r>
           </a:p>
           <a:p>
             <a:pPr lvl="1"/>
             <a:r>
-              <a:rPr lang="ko-KR" altLang="en-US" smtClean="0"/>
+              <a:rPr lang="ko-KR" altLang="en-US"/>
               <a:t>둘째 수준</a:t>
             </a:r>
           </a:p>
           <a:p>
             <a:pPr lvl="2"/>
             <a:r>
-              <a:rPr lang="ko-KR" altLang="en-US" smtClean="0"/>
+              <a:rPr lang="ko-KR" altLang="en-US"/>
               <a:t>셋째 수준</a:t>
             </a:r>
           </a:p>
           <a:p>
             <a:pPr lvl="3"/>
             <a:r>
-              <a:rPr lang="ko-KR" altLang="en-US" smtClean="0"/>
+              <a:rPr lang="ko-KR" altLang="en-US"/>
               <a:t>넷째 수준</a:t>
             </a:r>
           </a:p>
           <a:p>
             <a:pPr lvl="4"/>
             <a:r>
-              <a:rPr lang="ko-KR" altLang="en-US" smtClean="0"/>
+              <a:rPr lang="ko-KR" altLang="en-US"/>
               <a:t>다섯째 수준</a:t>
             </a:r>
-            <a:endParaRPr lang="ko-KR" altLang="en-US"/>
           </a:p>
         </p:txBody>
       </p:sp>
@@ -2722,7 +2720,7 @@
           <a:p>
             <a:fld id="{22C94D4F-D370-4408-8BCF-E4CA0ED9AD79}" type="datetimeFigureOut">
               <a:rPr lang="ko-KR" altLang="en-US" smtClean="0"/>
-              <a:t>2021-11-25</a:t>
+              <a:t>2023-05-13</a:t>
             </a:fld>
             <a:endParaRPr lang="ko-KR" altLang="en-US"/>
           </a:p>
@@ -3193,6 +3191,66 @@
       </p:grpSpPr>
       <p:pic>
         <p:nvPicPr>
+          <p:cNvPr id="2" name="Picture 1">
+            <a:extLst>
+              <a:ext uri="{FF2B5EF4-FFF2-40B4-BE49-F238E27FC236}">
+                <a16:creationId xmlns:a16="http://schemas.microsoft.com/office/drawing/2014/main" id="{DB24D502-A6D7-353C-340D-801A190DF839}"/>
+              </a:ext>
+            </a:extLst>
+          </p:cNvPr>
+          <p:cNvPicPr>
+            <a:picLocks noChangeAspect="1"/>
+          </p:cNvPicPr>
+          <p:nvPr/>
+        </p:nvPicPr>
+        <p:blipFill>
+          <a:blip r:embed="rId2"/>
+          <a:stretch>
+            <a:fillRect/>
+          </a:stretch>
+        </p:blipFill>
+        <p:spPr>
+          <a:xfrm>
+            <a:off x="3111500" y="2492375"/>
+            <a:ext cx="2921000" cy="1873250"/>
+          </a:xfrm>
+          <a:prstGeom prst="rect">
+            <a:avLst/>
+          </a:prstGeom>
+        </p:spPr>
+      </p:pic>
+    </p:spTree>
+    <p:extLst>
+      <p:ext uri="{BB962C8B-B14F-4D97-AF65-F5344CB8AC3E}">
+        <p14:creationId xmlns:p14="http://schemas.microsoft.com/office/powerpoint/2010/main" val="1621551709"/>
+      </p:ext>
+    </p:extLst>
+  </p:cSld>
+  <p:clrMapOvr>
+    <a:masterClrMapping/>
+  </p:clrMapOvr>
+</p:sld>
+</file>
+
+<file path=ppt/slides/slide3.xml><?xml version="1.0" encoding="utf-8"?>
+<p:sld xmlns:a="http://schemas.openxmlformats.org/drawingml/2006/main" xmlns:r="http://schemas.openxmlformats.org/officeDocument/2006/relationships" xmlns:p="http://schemas.openxmlformats.org/presentationml/2006/main">
+  <p:cSld>
+    <p:spTree>
+      <p:nvGrpSpPr>
+        <p:cNvPr id="1" name=""/>
+        <p:cNvGrpSpPr/>
+        <p:nvPr/>
+      </p:nvGrpSpPr>
+      <p:grpSpPr>
+        <a:xfrm>
+          <a:off x="0" y="0"/>
+          <a:ext cx="0" cy="0"/>
+          <a:chOff x="0" y="0"/>
+          <a:chExt cx="0" cy="0"/>
+        </a:xfrm>
+      </p:grpSpPr>
+      <p:pic>
+        <p:nvPicPr>
           <p:cNvPr id="1025" name="Picture 1"/>
           <p:cNvPicPr>
             <a:picLocks noChangeAspect="1" noChangeArrowheads="1"/>
@@ -3268,7 +3326,67 @@
 </p:sld>
 </file>
 
-<file path=ppt/slides/slide3.xml><?xml version="1.0" encoding="utf-8"?>
+<file path=ppt/slides/slide4.xml><?xml version="1.0" encoding="utf-8"?>
+<p:sld xmlns:a="http://schemas.openxmlformats.org/drawingml/2006/main" xmlns:r="http://schemas.openxmlformats.org/officeDocument/2006/relationships" xmlns:p="http://schemas.openxmlformats.org/presentationml/2006/main">
+  <p:cSld>
+    <p:spTree>
+      <p:nvGrpSpPr>
+        <p:cNvPr id="1" name=""/>
+        <p:cNvGrpSpPr/>
+        <p:nvPr/>
+      </p:nvGrpSpPr>
+      <p:grpSpPr>
+        <a:xfrm>
+          <a:off x="0" y="0"/>
+          <a:ext cx="0" cy="0"/>
+          <a:chOff x="0" y="0"/>
+          <a:chExt cx="0" cy="0"/>
+        </a:xfrm>
+      </p:grpSpPr>
+      <p:pic>
+        <p:nvPicPr>
+          <p:cNvPr id="6" name="Picture 5">
+            <a:extLst>
+              <a:ext uri="{FF2B5EF4-FFF2-40B4-BE49-F238E27FC236}">
+                <a16:creationId xmlns:a16="http://schemas.microsoft.com/office/drawing/2014/main" id="{7E4ECF61-0116-4C5D-73BA-B03C5F02D22A}"/>
+              </a:ext>
+            </a:extLst>
+          </p:cNvPr>
+          <p:cNvPicPr>
+            <a:picLocks noChangeAspect="1"/>
+          </p:cNvPicPr>
+          <p:nvPr/>
+        </p:nvPicPr>
+        <p:blipFill>
+          <a:blip r:embed="rId2"/>
+          <a:stretch>
+            <a:fillRect/>
+          </a:stretch>
+        </p:blipFill>
+        <p:spPr>
+          <a:xfrm>
+            <a:off x="2032000" y="320387"/>
+            <a:ext cx="5080000" cy="6217227"/>
+          </a:xfrm>
+          <a:prstGeom prst="rect">
+            <a:avLst/>
+          </a:prstGeom>
+        </p:spPr>
+      </p:pic>
+    </p:spTree>
+    <p:extLst>
+      <p:ext uri="{BB962C8B-B14F-4D97-AF65-F5344CB8AC3E}">
+        <p14:creationId xmlns:p14="http://schemas.microsoft.com/office/powerpoint/2010/main" val="3424022205"/>
+      </p:ext>
+    </p:extLst>
+  </p:cSld>
+  <p:clrMapOvr>
+    <a:masterClrMapping/>
+  </p:clrMapOvr>
+</p:sld>
+</file>
+
+<file path=ppt/slides/slide5.xml><?xml version="1.0" encoding="utf-8"?>
 <p:sld xmlns:a="http://schemas.openxmlformats.org/drawingml/2006/main" xmlns:r="http://schemas.openxmlformats.org/officeDocument/2006/relationships" xmlns:p="http://schemas.openxmlformats.org/presentationml/2006/main">
   <p:cSld>
     <p:spTree>
@@ -3353,6 +3471,214 @@
     <p:extLst>
       <p:ext uri="{BB962C8B-B14F-4D97-AF65-F5344CB8AC3E}">
         <p14:creationId xmlns:p14="http://schemas.microsoft.com/office/powerpoint/2010/main" val="3898625351"/>
+      </p:ext>
+    </p:extLst>
+  </p:cSld>
+  <p:clrMapOvr>
+    <a:masterClrMapping/>
+  </p:clrMapOvr>
+</p:sld>
+</file>
+
+<file path=ppt/slides/slide6.xml><?xml version="1.0" encoding="utf-8"?>
+<p:sld xmlns:a="http://schemas.openxmlformats.org/drawingml/2006/main" xmlns:r="http://schemas.openxmlformats.org/officeDocument/2006/relationships" xmlns:p="http://schemas.openxmlformats.org/presentationml/2006/main">
+  <p:cSld>
+    <p:spTree>
+      <p:nvGrpSpPr>
+        <p:cNvPr id="1" name=""/>
+        <p:cNvGrpSpPr/>
+        <p:nvPr/>
+      </p:nvGrpSpPr>
+      <p:grpSpPr>
+        <a:xfrm>
+          <a:off x="0" y="0"/>
+          <a:ext cx="0" cy="0"/>
+          <a:chOff x="0" y="0"/>
+          <a:chExt cx="0" cy="0"/>
+        </a:xfrm>
+      </p:grpSpPr>
+      <p:pic>
+        <p:nvPicPr>
+          <p:cNvPr id="3074" name="Picture 2"/>
+          <p:cNvPicPr>
+            <a:picLocks noChangeAspect="1" noChangeArrowheads="1"/>
+          </p:cNvPicPr>
+          <p:nvPr/>
+        </p:nvPicPr>
+        <p:blipFill>
+          <a:blip r:embed="rId2">
+            <a:extLst>
+              <a:ext uri="{28A0092B-C50C-407E-A947-70E740481C1C}">
+                <a14:useLocalDpi xmlns:a14="http://schemas.microsoft.com/office/drawing/2010/main" val="0"/>
+              </a:ext>
+            </a:extLst>
+          </a:blip>
+          <a:srcRect/>
+          <a:stretch>
+            <a:fillRect/>
+          </a:stretch>
+        </p:blipFill>
+        <p:spPr bwMode="auto">
+          <a:xfrm>
+            <a:off x="1909762" y="1433513"/>
+            <a:ext cx="5324475" cy="3990975"/>
+          </a:xfrm>
+          <a:prstGeom prst="rect">
+            <a:avLst/>
+          </a:prstGeom>
+          <a:noFill/>
+          <a:ln>
+            <a:noFill/>
+          </a:ln>
+          <a:effectLst/>
+          <a:extLst>
+            <a:ext uri="{909E8E84-426E-40DD-AFC4-6F175D3DCCD1}">
+              <a14:hiddenFill xmlns:a14="http://schemas.microsoft.com/office/drawing/2010/main">
+                <a:solidFill>
+                  <a:schemeClr val="accent1"/>
+                </a:solidFill>
+              </a14:hiddenFill>
+            </a:ext>
+            <a:ext uri="{91240B29-F687-4F45-9708-019B960494DF}">
+              <a14:hiddenLine xmlns:a14="http://schemas.microsoft.com/office/drawing/2010/main" w="9525">
+                <a:solidFill>
+                  <a:schemeClr val="tx1"/>
+                </a:solidFill>
+                <a:miter lim="800000"/>
+                <a:headEnd/>
+                <a:tailEnd/>
+              </a14:hiddenLine>
+            </a:ext>
+            <a:ext uri="{AF507438-7753-43E0-B8FC-AC1667EBCBE1}">
+              <a14:hiddenEffects xmlns:a14="http://schemas.microsoft.com/office/drawing/2010/main">
+                <a:effectLst>
+                  <a:outerShdw dist="35921" dir="2700000" algn="ctr" rotWithShape="0">
+                    <a:schemeClr val="bg2"/>
+                  </a:outerShdw>
+                </a:effectLst>
+              </a14:hiddenEffects>
+            </a:ext>
+          </a:extLst>
+        </p:spPr>
+      </p:pic>
+      <p:sp>
+        <p:nvSpPr>
+          <p:cNvPr id="2" name="TextBox 1">
+            <a:extLst>
+              <a:ext uri="{FF2B5EF4-FFF2-40B4-BE49-F238E27FC236}">
+                <a16:creationId xmlns:a16="http://schemas.microsoft.com/office/drawing/2014/main" id="{D1BF93E8-DD07-3988-A828-993A0E6043B7}"/>
+              </a:ext>
+            </a:extLst>
+          </p:cNvPr>
+          <p:cNvSpPr txBox="1"/>
+          <p:nvPr/>
+        </p:nvSpPr>
+        <p:spPr>
+          <a:xfrm>
+            <a:off x="1874251" y="1373405"/>
+            <a:ext cx="5592390" cy="338554"/>
+          </a:xfrm>
+          <a:prstGeom prst="rect">
+            <a:avLst/>
+          </a:prstGeom>
+          <a:solidFill>
+            <a:schemeClr val="bg1"/>
+          </a:solidFill>
+        </p:spPr>
+        <p:txBody>
+          <a:bodyPr wrap="square" rtlCol="0">
+            <a:spAutoFit/>
+          </a:bodyPr>
+          <a:lstStyle/>
+          <a:p>
+            <a:pPr algn="ctr"/>
+            <a:r>
+              <a:rPr lang="en-US" sz="1600" dirty="0"/>
+              <a:t>Distribution of rank sum when choosing 3 out of 7</a:t>
+            </a:r>
+          </a:p>
+        </p:txBody>
+      </p:sp>
+      <p:sp>
+        <p:nvSpPr>
+          <p:cNvPr id="3" name="TextBox 2">
+            <a:extLst>
+              <a:ext uri="{FF2B5EF4-FFF2-40B4-BE49-F238E27FC236}">
+                <a16:creationId xmlns:a16="http://schemas.microsoft.com/office/drawing/2014/main" id="{B9FEAD54-A9E5-9A87-DE66-83EDCA9A34C0}"/>
+              </a:ext>
+            </a:extLst>
+          </p:cNvPr>
+          <p:cNvSpPr txBox="1"/>
+          <p:nvPr/>
+        </p:nvSpPr>
+        <p:spPr>
+          <a:xfrm>
+            <a:off x="4061913" y="5157192"/>
+            <a:ext cx="1217066" cy="338554"/>
+          </a:xfrm>
+          <a:prstGeom prst="rect">
+            <a:avLst/>
+          </a:prstGeom>
+          <a:solidFill>
+            <a:schemeClr val="bg1"/>
+          </a:solidFill>
+        </p:spPr>
+        <p:txBody>
+          <a:bodyPr wrap="square" rtlCol="0">
+            <a:spAutoFit/>
+          </a:bodyPr>
+          <a:lstStyle/>
+          <a:p>
+            <a:pPr algn="ctr"/>
+            <a:r>
+              <a:rPr lang="en-US" sz="1600" dirty="0"/>
+              <a:t>rank sum T</a:t>
+            </a:r>
+          </a:p>
+        </p:txBody>
+      </p:sp>
+      <p:sp>
+        <p:nvSpPr>
+          <p:cNvPr id="4" name="TextBox 3">
+            <a:extLst>
+              <a:ext uri="{FF2B5EF4-FFF2-40B4-BE49-F238E27FC236}">
+                <a16:creationId xmlns:a16="http://schemas.microsoft.com/office/drawing/2014/main" id="{1B6FB5D2-917D-58E8-F416-75C624DA179C}"/>
+              </a:ext>
+            </a:extLst>
+          </p:cNvPr>
+          <p:cNvSpPr txBox="1"/>
+          <p:nvPr/>
+        </p:nvSpPr>
+        <p:spPr>
+          <a:xfrm rot="16200000">
+            <a:off x="1683656" y="3227254"/>
+            <a:ext cx="1217066" cy="338554"/>
+          </a:xfrm>
+          <a:prstGeom prst="rect">
+            <a:avLst/>
+          </a:prstGeom>
+          <a:solidFill>
+            <a:schemeClr val="bg1"/>
+          </a:solidFill>
+        </p:spPr>
+        <p:txBody>
+          <a:bodyPr wrap="square" rtlCol="0">
+            <a:spAutoFit/>
+          </a:bodyPr>
+          <a:lstStyle/>
+          <a:p>
+            <a:pPr algn="ctr"/>
+            <a:r>
+              <a:rPr lang="en-US" sz="1600" dirty="0"/>
+              <a:t>frequency</a:t>
+            </a:r>
+          </a:p>
+        </p:txBody>
+      </p:sp>
+    </p:spTree>
+    <p:extLst>
+      <p:ext uri="{BB962C8B-B14F-4D97-AF65-F5344CB8AC3E}">
+        <p14:creationId xmlns:p14="http://schemas.microsoft.com/office/powerpoint/2010/main" val="718678884"/>
       </p:ext>
     </p:extLst>
   </p:cSld>
